--- a/자료/CNN.pptx
+++ b/자료/CNN.pptx
@@ -110,6 +110,11 @@
       </a:defRPr>
     </a:lvl9pPr>
   </p:defaultTextStyle>
+  <p:extLst>
+    <p:ext uri="{EFAFB233-063F-42B5-8137-9DF3F51BA10A}">
+      <p15:sldGuideLst xmlns:p15="http://schemas.microsoft.com/office/powerpoint/2012/main"/>
+    </p:ext>
+  </p:extLst>
 </p:presentation>
 </file>
 
@@ -244,7 +249,7 @@
           <a:p>
             <a:fld id="{FC98F287-ED05-439C-A872-EBEE8A9C71B6}" type="datetimeFigureOut">
               <a:rPr lang="ko-KR" altLang="en-US" smtClean="0"/>
-              <a:t>2018-08-02</a:t>
+              <a:t>2018-08-09</a:t>
             </a:fld>
             <a:endParaRPr lang="ko-KR" altLang="en-US"/>
           </a:p>
@@ -414,7 +419,7 @@
           <a:p>
             <a:fld id="{FC98F287-ED05-439C-A872-EBEE8A9C71B6}" type="datetimeFigureOut">
               <a:rPr lang="ko-KR" altLang="en-US" smtClean="0"/>
-              <a:t>2018-08-02</a:t>
+              <a:t>2018-08-09</a:t>
             </a:fld>
             <a:endParaRPr lang="ko-KR" altLang="en-US"/>
           </a:p>
@@ -594,7 +599,7 @@
           <a:p>
             <a:fld id="{FC98F287-ED05-439C-A872-EBEE8A9C71B6}" type="datetimeFigureOut">
               <a:rPr lang="ko-KR" altLang="en-US" smtClean="0"/>
-              <a:t>2018-08-02</a:t>
+              <a:t>2018-08-09</a:t>
             </a:fld>
             <a:endParaRPr lang="ko-KR" altLang="en-US"/>
           </a:p>
@@ -764,7 +769,7 @@
           <a:p>
             <a:fld id="{FC98F287-ED05-439C-A872-EBEE8A9C71B6}" type="datetimeFigureOut">
               <a:rPr lang="ko-KR" altLang="en-US" smtClean="0"/>
-              <a:t>2018-08-02</a:t>
+              <a:t>2018-08-09</a:t>
             </a:fld>
             <a:endParaRPr lang="ko-KR" altLang="en-US"/>
           </a:p>
@@ -1010,7 +1015,7 @@
           <a:p>
             <a:fld id="{FC98F287-ED05-439C-A872-EBEE8A9C71B6}" type="datetimeFigureOut">
               <a:rPr lang="ko-KR" altLang="en-US" smtClean="0"/>
-              <a:t>2018-08-02</a:t>
+              <a:t>2018-08-09</a:t>
             </a:fld>
             <a:endParaRPr lang="ko-KR" altLang="en-US"/>
           </a:p>
@@ -1242,7 +1247,7 @@
           <a:p>
             <a:fld id="{FC98F287-ED05-439C-A872-EBEE8A9C71B6}" type="datetimeFigureOut">
               <a:rPr lang="ko-KR" altLang="en-US" smtClean="0"/>
-              <a:t>2018-08-02</a:t>
+              <a:t>2018-08-09</a:t>
             </a:fld>
             <a:endParaRPr lang="ko-KR" altLang="en-US"/>
           </a:p>
@@ -1609,7 +1614,7 @@
           <a:p>
             <a:fld id="{FC98F287-ED05-439C-A872-EBEE8A9C71B6}" type="datetimeFigureOut">
               <a:rPr lang="ko-KR" altLang="en-US" smtClean="0"/>
-              <a:t>2018-08-02</a:t>
+              <a:t>2018-08-09</a:t>
             </a:fld>
             <a:endParaRPr lang="ko-KR" altLang="en-US"/>
           </a:p>
@@ -1727,7 +1732,7 @@
           <a:p>
             <a:fld id="{FC98F287-ED05-439C-A872-EBEE8A9C71B6}" type="datetimeFigureOut">
               <a:rPr lang="ko-KR" altLang="en-US" smtClean="0"/>
-              <a:t>2018-08-02</a:t>
+              <a:t>2018-08-09</a:t>
             </a:fld>
             <a:endParaRPr lang="ko-KR" altLang="en-US"/>
           </a:p>
@@ -1822,7 +1827,7 @@
           <a:p>
             <a:fld id="{FC98F287-ED05-439C-A872-EBEE8A9C71B6}" type="datetimeFigureOut">
               <a:rPr lang="ko-KR" altLang="en-US" smtClean="0"/>
-              <a:t>2018-08-02</a:t>
+              <a:t>2018-08-09</a:t>
             </a:fld>
             <a:endParaRPr lang="ko-KR" altLang="en-US"/>
           </a:p>
@@ -2099,7 +2104,7 @@
           <a:p>
             <a:fld id="{FC98F287-ED05-439C-A872-EBEE8A9C71B6}" type="datetimeFigureOut">
               <a:rPr lang="ko-KR" altLang="en-US" smtClean="0"/>
-              <a:t>2018-08-02</a:t>
+              <a:t>2018-08-09</a:t>
             </a:fld>
             <a:endParaRPr lang="ko-KR" altLang="en-US"/>
           </a:p>
@@ -2352,7 +2357,7 @@
           <a:p>
             <a:fld id="{FC98F287-ED05-439C-A872-EBEE8A9C71B6}" type="datetimeFigureOut">
               <a:rPr lang="ko-KR" altLang="en-US" smtClean="0"/>
-              <a:t>2018-08-02</a:t>
+              <a:t>2018-08-09</a:t>
             </a:fld>
             <a:endParaRPr lang="ko-KR" altLang="en-US"/>
           </a:p>
@@ -2565,7 +2570,7 @@
           <a:p>
             <a:fld id="{FC98F287-ED05-439C-A872-EBEE8A9C71B6}" type="datetimeFigureOut">
               <a:rPr lang="ko-KR" altLang="en-US" smtClean="0"/>
-              <a:t>2018-08-02</a:t>
+              <a:t>2018-08-09</a:t>
             </a:fld>
             <a:endParaRPr lang="ko-KR" altLang="en-US"/>
           </a:p>
@@ -3183,6 +3188,30 @@
           </a:p>
         </p:txBody>
       </p:sp>
+      <p:pic>
+        <p:nvPicPr>
+          <p:cNvPr id="5" name="그림 4"/>
+          <p:cNvPicPr>
+            <a:picLocks noChangeAspect="1"/>
+          </p:cNvPicPr>
+          <p:nvPr/>
+        </p:nvPicPr>
+        <p:blipFill>
+          <a:blip r:embed="rId3"/>
+          <a:stretch>
+            <a:fillRect/>
+          </a:stretch>
+        </p:blipFill>
+        <p:spPr>
+          <a:xfrm>
+            <a:off x="4912822" y="5012575"/>
+            <a:ext cx="3669656" cy="1780486"/>
+          </a:xfrm>
+          <a:prstGeom prst="rect">
+            <a:avLst/>
+          </a:prstGeom>
+        </p:spPr>
+      </p:pic>
     </p:spTree>
     <p:extLst>
       <p:ext uri="{BB962C8B-B14F-4D97-AF65-F5344CB8AC3E}">
@@ -3705,6 +3734,30 @@
           </a:p>
         </p:txBody>
       </p:sp>
+      <p:pic>
+        <p:nvPicPr>
+          <p:cNvPr id="3" name="그림 2"/>
+          <p:cNvPicPr>
+            <a:picLocks noChangeAspect="1"/>
+          </p:cNvPicPr>
+          <p:nvPr/>
+        </p:nvPicPr>
+        <p:blipFill>
+          <a:blip r:embed="rId3"/>
+          <a:stretch>
+            <a:fillRect/>
+          </a:stretch>
+        </p:blipFill>
+        <p:spPr>
+          <a:xfrm>
+            <a:off x="5249333" y="2015049"/>
+            <a:ext cx="6476777" cy="3797588"/>
+          </a:xfrm>
+          <a:prstGeom prst="rect">
+            <a:avLst/>
+          </a:prstGeom>
+        </p:spPr>
+      </p:pic>
     </p:spTree>
     <p:extLst>
       <p:ext uri="{BB962C8B-B14F-4D97-AF65-F5344CB8AC3E}">
